--- a/f3rc2025/pptx/background.pptx
+++ b/f3rc2025/pptx/background.pptx
@@ -261,7 +261,7 @@
           <a:p>
             <a:fld id="{5C0C8B3D-E184-4629-870B-7674F098097E}" type="datetimeFigureOut">
               <a:rPr kumimoji="1" lang="ja-JP" altLang="en-US" smtClean="0"/>
-              <a:t>2025/9/4</a:t>
+              <a:t>2025/9/5</a:t>
             </a:fld>
             <a:endParaRPr kumimoji="1" lang="ja-JP" altLang="en-US"/>
           </a:p>
@@ -461,7 +461,7 @@
           <a:p>
             <a:fld id="{5C0C8B3D-E184-4629-870B-7674F098097E}" type="datetimeFigureOut">
               <a:rPr kumimoji="1" lang="ja-JP" altLang="en-US" smtClean="0"/>
-              <a:t>2025/9/4</a:t>
+              <a:t>2025/9/5</a:t>
             </a:fld>
             <a:endParaRPr kumimoji="1" lang="ja-JP" altLang="en-US"/>
           </a:p>
@@ -671,7 +671,7 @@
           <a:p>
             <a:fld id="{5C0C8B3D-E184-4629-870B-7674F098097E}" type="datetimeFigureOut">
               <a:rPr kumimoji="1" lang="ja-JP" altLang="en-US" smtClean="0"/>
-              <a:t>2025/9/4</a:t>
+              <a:t>2025/9/5</a:t>
             </a:fld>
             <a:endParaRPr kumimoji="1" lang="ja-JP" altLang="en-US"/>
           </a:p>
@@ -871,7 +871,7 @@
           <a:p>
             <a:fld id="{5C0C8B3D-E184-4629-870B-7674F098097E}" type="datetimeFigureOut">
               <a:rPr kumimoji="1" lang="ja-JP" altLang="en-US" smtClean="0"/>
-              <a:t>2025/9/4</a:t>
+              <a:t>2025/9/5</a:t>
             </a:fld>
             <a:endParaRPr kumimoji="1" lang="ja-JP" altLang="en-US"/>
           </a:p>
@@ -1147,7 +1147,7 @@
           <a:p>
             <a:fld id="{5C0C8B3D-E184-4629-870B-7674F098097E}" type="datetimeFigureOut">
               <a:rPr kumimoji="1" lang="ja-JP" altLang="en-US" smtClean="0"/>
-              <a:t>2025/9/4</a:t>
+              <a:t>2025/9/5</a:t>
             </a:fld>
             <a:endParaRPr kumimoji="1" lang="ja-JP" altLang="en-US"/>
           </a:p>
@@ -1415,7 +1415,7 @@
           <a:p>
             <a:fld id="{5C0C8B3D-E184-4629-870B-7674F098097E}" type="datetimeFigureOut">
               <a:rPr kumimoji="1" lang="ja-JP" altLang="en-US" smtClean="0"/>
-              <a:t>2025/9/4</a:t>
+              <a:t>2025/9/5</a:t>
             </a:fld>
             <a:endParaRPr kumimoji="1" lang="ja-JP" altLang="en-US"/>
           </a:p>
@@ -1830,7 +1830,7 @@
           <a:p>
             <a:fld id="{5C0C8B3D-E184-4629-870B-7674F098097E}" type="datetimeFigureOut">
               <a:rPr kumimoji="1" lang="ja-JP" altLang="en-US" smtClean="0"/>
-              <a:t>2025/9/4</a:t>
+              <a:t>2025/9/5</a:t>
             </a:fld>
             <a:endParaRPr kumimoji="1" lang="ja-JP" altLang="en-US"/>
           </a:p>
@@ -1972,7 +1972,7 @@
           <a:p>
             <a:fld id="{5C0C8B3D-E184-4629-870B-7674F098097E}" type="datetimeFigureOut">
               <a:rPr kumimoji="1" lang="ja-JP" altLang="en-US" smtClean="0"/>
-              <a:t>2025/9/4</a:t>
+              <a:t>2025/9/5</a:t>
             </a:fld>
             <a:endParaRPr kumimoji="1" lang="ja-JP" altLang="en-US"/>
           </a:p>
@@ -2085,7 +2085,7 @@
           <a:p>
             <a:fld id="{5C0C8B3D-E184-4629-870B-7674F098097E}" type="datetimeFigureOut">
               <a:rPr kumimoji="1" lang="ja-JP" altLang="en-US" smtClean="0"/>
-              <a:t>2025/9/4</a:t>
+              <a:t>2025/9/5</a:t>
             </a:fld>
             <a:endParaRPr kumimoji="1" lang="ja-JP" altLang="en-US"/>
           </a:p>
@@ -2398,7 +2398,7 @@
           <a:p>
             <a:fld id="{5C0C8B3D-E184-4629-870B-7674F098097E}" type="datetimeFigureOut">
               <a:rPr kumimoji="1" lang="ja-JP" altLang="en-US" smtClean="0"/>
-              <a:t>2025/9/4</a:t>
+              <a:t>2025/9/5</a:t>
             </a:fld>
             <a:endParaRPr kumimoji="1" lang="ja-JP" altLang="en-US"/>
           </a:p>
@@ -2687,7 +2687,7 @@
           <a:p>
             <a:fld id="{5C0C8B3D-E184-4629-870B-7674F098097E}" type="datetimeFigureOut">
               <a:rPr kumimoji="1" lang="ja-JP" altLang="en-US" smtClean="0"/>
-              <a:t>2025/9/4</a:t>
+              <a:t>2025/9/5</a:t>
             </a:fld>
             <a:endParaRPr kumimoji="1" lang="ja-JP" altLang="en-US"/>
           </a:p>
@@ -2930,7 +2930,7 @@
           <a:p>
             <a:fld id="{5C0C8B3D-E184-4629-870B-7674F098097E}" type="datetimeFigureOut">
               <a:rPr kumimoji="1" lang="ja-JP" altLang="en-US" smtClean="0"/>
-              <a:t>2025/9/4</a:t>
+              <a:t>2025/9/5</a:t>
             </a:fld>
             <a:endParaRPr kumimoji="1" lang="ja-JP" altLang="en-US"/>
           </a:p>
@@ -3747,7 +3747,7 @@
         <p:spPr>
           <a:xfrm>
             <a:off x="-2" y="0"/>
-            <a:ext cx="3429000" cy="952500"/>
+            <a:ext cx="4064000" cy="952500"/>
           </a:xfrm>
           <a:prstGeom prst="rect">
             <a:avLst/>
@@ -3914,8 +3914,8 @@
         </p:nvSpPr>
         <p:spPr>
           <a:xfrm>
-            <a:off x="8762998" y="0"/>
-            <a:ext cx="3429000" cy="952500"/>
+            <a:off x="8127996" y="0"/>
+            <a:ext cx="4064002" cy="952500"/>
           </a:xfrm>
           <a:prstGeom prst="rect">
             <a:avLst/>
@@ -4084,7 +4084,7 @@
         </p:nvCxnSpPr>
         <p:spPr>
           <a:xfrm flipV="1">
-            <a:off x="1047745" y="317500"/>
+            <a:off x="1682757" y="317500"/>
             <a:ext cx="95250" cy="508000"/>
           </a:xfrm>
           <a:prstGeom prst="line">
@@ -4123,7 +4123,7 @@
         </p:nvCxnSpPr>
         <p:spPr>
           <a:xfrm flipH="1" flipV="1">
-            <a:off x="1142995" y="317500"/>
+            <a:off x="1778007" y="317500"/>
             <a:ext cx="95250" cy="508000"/>
           </a:xfrm>
           <a:prstGeom prst="line">
@@ -4162,7 +4162,7 @@
         </p:nvCxnSpPr>
         <p:spPr>
           <a:xfrm flipH="1">
-            <a:off x="1095370" y="520700"/>
+            <a:off x="1730382" y="520700"/>
             <a:ext cx="95250" cy="0"/>
           </a:xfrm>
           <a:prstGeom prst="line">
@@ -4201,7 +4201,7 @@
         </p:nvCxnSpPr>
         <p:spPr>
           <a:xfrm flipH="1">
-            <a:off x="1073150" y="673100"/>
+            <a:off x="1708162" y="673100"/>
             <a:ext cx="131763" cy="0"/>
           </a:xfrm>
           <a:prstGeom prst="line">
@@ -4240,7 +4240,7 @@
         </p:nvCxnSpPr>
         <p:spPr>
           <a:xfrm flipV="1">
-            <a:off x="2190740" y="317500"/>
+            <a:off x="2825752" y="317500"/>
             <a:ext cx="95250" cy="508000"/>
           </a:xfrm>
           <a:prstGeom prst="line">
@@ -4279,7 +4279,7 @@
         </p:nvCxnSpPr>
         <p:spPr>
           <a:xfrm flipH="1" flipV="1">
-            <a:off x="2285990" y="317500"/>
+            <a:off x="2921002" y="317500"/>
             <a:ext cx="95250" cy="508000"/>
           </a:xfrm>
           <a:prstGeom prst="line">
@@ -4318,7 +4318,7 @@
         </p:nvCxnSpPr>
         <p:spPr>
           <a:xfrm flipH="1">
-            <a:off x="2238365" y="520700"/>
+            <a:off x="2873377" y="520700"/>
             <a:ext cx="95250" cy="0"/>
           </a:xfrm>
           <a:prstGeom prst="line">
@@ -4357,125 +4357,8 @@
         </p:nvCxnSpPr>
         <p:spPr>
           <a:xfrm flipH="1">
-            <a:off x="2216145" y="673100"/>
+            <a:off x="2851157" y="673100"/>
             <a:ext cx="131763" cy="0"/>
-          </a:xfrm>
-          <a:prstGeom prst="line">
-            <a:avLst/>
-          </a:prstGeom>
-          <a:ln w="38100"/>
-        </p:spPr>
-        <p:style>
-          <a:lnRef idx="2">
-            <a:schemeClr val="accent1"/>
-          </a:lnRef>
-          <a:fillRef idx="0">
-            <a:schemeClr val="accent1"/>
-          </a:fillRef>
-          <a:effectRef idx="1">
-            <a:schemeClr val="accent1"/>
-          </a:effectRef>
-          <a:fontRef idx="minor">
-            <a:schemeClr val="tx1"/>
-          </a:fontRef>
-        </p:style>
-      </p:cxnSp>
-      <p:cxnSp>
-        <p:nvCxnSpPr>
-          <p:cNvPr id="39" name="Straight Connector 38">
-            <a:extLst>
-              <a:ext uri="{FF2B5EF4-FFF2-40B4-BE49-F238E27FC236}">
-                <a16:creationId xmlns:a16="http://schemas.microsoft.com/office/drawing/2014/main" id="{AEAE7E2B-4DFF-B629-E84A-04CBA55E7CE4}"/>
-              </a:ext>
-            </a:extLst>
-          </p:cNvPr>
-          <p:cNvCxnSpPr>
-            <a:cxnSpLocks/>
-          </p:cNvCxnSpPr>
-          <p:nvPr/>
-        </p:nvCxnSpPr>
-        <p:spPr>
-          <a:xfrm flipV="1">
-            <a:off x="3333740" y="317500"/>
-            <a:ext cx="95250" cy="508000"/>
-          </a:xfrm>
-          <a:prstGeom prst="line">
-            <a:avLst/>
-          </a:prstGeom>
-          <a:ln w="38100"/>
-        </p:spPr>
-        <p:style>
-          <a:lnRef idx="2">
-            <a:schemeClr val="accent1"/>
-          </a:lnRef>
-          <a:fillRef idx="0">
-            <a:schemeClr val="accent1"/>
-          </a:fillRef>
-          <a:effectRef idx="1">
-            <a:schemeClr val="accent1"/>
-          </a:effectRef>
-          <a:fontRef idx="minor">
-            <a:schemeClr val="tx1"/>
-          </a:fontRef>
-        </p:style>
-      </p:cxnSp>
-      <p:cxnSp>
-        <p:nvCxnSpPr>
-          <p:cNvPr id="41" name="Straight Connector 40">
-            <a:extLst>
-              <a:ext uri="{FF2B5EF4-FFF2-40B4-BE49-F238E27FC236}">
-                <a16:creationId xmlns:a16="http://schemas.microsoft.com/office/drawing/2014/main" id="{8632FC5B-98DB-3DF7-2076-5F3C88EF93AF}"/>
-              </a:ext>
-            </a:extLst>
-          </p:cNvPr>
-          <p:cNvCxnSpPr>
-            <a:cxnSpLocks/>
-          </p:cNvCxnSpPr>
-          <p:nvPr/>
-        </p:nvCxnSpPr>
-        <p:spPr>
-          <a:xfrm flipH="1">
-            <a:off x="3381365" y="520700"/>
-            <a:ext cx="47625" cy="0"/>
-          </a:xfrm>
-          <a:prstGeom prst="line">
-            <a:avLst/>
-          </a:prstGeom>
-          <a:ln w="38100"/>
-        </p:spPr>
-        <p:style>
-          <a:lnRef idx="2">
-            <a:schemeClr val="accent1"/>
-          </a:lnRef>
-          <a:fillRef idx="0">
-            <a:schemeClr val="accent1"/>
-          </a:fillRef>
-          <a:effectRef idx="1">
-            <a:schemeClr val="accent1"/>
-          </a:effectRef>
-          <a:fontRef idx="minor">
-            <a:schemeClr val="tx1"/>
-          </a:fontRef>
-        </p:style>
-      </p:cxnSp>
-      <p:cxnSp>
-        <p:nvCxnSpPr>
-          <p:cNvPr id="42" name="Straight Connector 41">
-            <a:extLst>
-              <a:ext uri="{FF2B5EF4-FFF2-40B4-BE49-F238E27FC236}">
-                <a16:creationId xmlns:a16="http://schemas.microsoft.com/office/drawing/2014/main" id="{16AB10FF-C70D-589F-16E1-76E8AAF3647D}"/>
-              </a:ext>
-            </a:extLst>
-          </p:cNvPr>
-          <p:cNvCxnSpPr>
-            <a:cxnSpLocks/>
-          </p:cNvCxnSpPr>
-          <p:nvPr/>
-        </p:nvCxnSpPr>
-        <p:spPr>
-          <a:xfrm flipH="1">
-            <a:off x="3359145" y="673100"/>
-            <a:ext cx="69845" cy="0"/>
           </a:xfrm>
           <a:prstGeom prst="line">
             <a:avLst/>
@@ -4513,7 +4396,7 @@
         </p:nvCxnSpPr>
         <p:spPr>
           <a:xfrm flipH="1" flipV="1">
-            <a:off x="-12" y="314960"/>
+            <a:off x="635000" y="314960"/>
             <a:ext cx="95250" cy="508000"/>
           </a:xfrm>
           <a:prstGeom prst="line">
@@ -4552,7 +4435,7 @@
         </p:nvCxnSpPr>
         <p:spPr>
           <a:xfrm flipH="1">
-            <a:off x="-47637" y="518160"/>
+            <a:off x="587375" y="518160"/>
             <a:ext cx="95250" cy="0"/>
           </a:xfrm>
           <a:prstGeom prst="line">
@@ -4591,7 +4474,7 @@
         </p:nvCxnSpPr>
         <p:spPr>
           <a:xfrm flipH="1">
-            <a:off x="-69857" y="670560"/>
+            <a:off x="565155" y="670560"/>
             <a:ext cx="131763" cy="0"/>
           </a:xfrm>
           <a:prstGeom prst="line">
@@ -4630,7 +4513,7 @@
         </p:nvCxnSpPr>
         <p:spPr>
           <a:xfrm flipV="1">
-            <a:off x="9810753" y="314960"/>
+            <a:off x="9175745" y="314960"/>
             <a:ext cx="95250" cy="508000"/>
           </a:xfrm>
           <a:prstGeom prst="line">
@@ -4675,7 +4558,7 @@
         </p:nvCxnSpPr>
         <p:spPr>
           <a:xfrm flipH="1" flipV="1">
-            <a:off x="9906003" y="314960"/>
+            <a:off x="9270995" y="314960"/>
             <a:ext cx="95250" cy="508000"/>
           </a:xfrm>
           <a:prstGeom prst="line">
@@ -4720,7 +4603,7 @@
         </p:nvCxnSpPr>
         <p:spPr>
           <a:xfrm flipH="1">
-            <a:off x="9858378" y="518160"/>
+            <a:off x="9223370" y="518160"/>
             <a:ext cx="95250" cy="0"/>
           </a:xfrm>
           <a:prstGeom prst="line">
@@ -4765,7 +4648,7 @@
         </p:nvCxnSpPr>
         <p:spPr>
           <a:xfrm flipH="1">
-            <a:off x="9836158" y="670560"/>
+            <a:off x="9201150" y="670560"/>
             <a:ext cx="131763" cy="0"/>
           </a:xfrm>
           <a:prstGeom prst="line">
@@ -4810,7 +4693,7 @@
         </p:nvCxnSpPr>
         <p:spPr>
           <a:xfrm flipV="1">
-            <a:off x="10953748" y="314960"/>
+            <a:off x="10318740" y="314960"/>
             <a:ext cx="95250" cy="508000"/>
           </a:xfrm>
           <a:prstGeom prst="line">
@@ -4855,7 +4738,7 @@
         </p:nvCxnSpPr>
         <p:spPr>
           <a:xfrm flipH="1" flipV="1">
-            <a:off x="11048998" y="314960"/>
+            <a:off x="10413990" y="314960"/>
             <a:ext cx="95250" cy="508000"/>
           </a:xfrm>
           <a:prstGeom prst="line">
@@ -4900,7 +4783,7 @@
         </p:nvCxnSpPr>
         <p:spPr>
           <a:xfrm flipH="1">
-            <a:off x="11001373" y="518160"/>
+            <a:off x="10366365" y="518160"/>
             <a:ext cx="95250" cy="0"/>
           </a:xfrm>
           <a:prstGeom prst="line">
@@ -4945,7 +4828,7 @@
         </p:nvCxnSpPr>
         <p:spPr>
           <a:xfrm flipH="1">
-            <a:off x="10979153" y="670560"/>
+            <a:off x="10344145" y="670560"/>
             <a:ext cx="131763" cy="0"/>
           </a:xfrm>
           <a:prstGeom prst="line">
@@ -4990,7 +4873,7 @@
         </p:nvCxnSpPr>
         <p:spPr>
           <a:xfrm flipV="1">
-            <a:off x="12096748" y="314960"/>
+            <a:off x="11461740" y="314960"/>
             <a:ext cx="95250" cy="508000"/>
           </a:xfrm>
           <a:prstGeom prst="line">
@@ -5035,7 +4918,7 @@
         </p:nvCxnSpPr>
         <p:spPr>
           <a:xfrm flipH="1">
-            <a:off x="12144373" y="518160"/>
+            <a:off x="11509365" y="518160"/>
             <a:ext cx="95250" cy="0"/>
           </a:xfrm>
           <a:prstGeom prst="line">
@@ -5080,7 +4963,7 @@
         </p:nvCxnSpPr>
         <p:spPr>
           <a:xfrm flipH="1">
-            <a:off x="12122153" y="670560"/>
+            <a:off x="11487145" y="670560"/>
             <a:ext cx="131763" cy="0"/>
           </a:xfrm>
           <a:prstGeom prst="line">
@@ -5111,10 +4994,10 @@
       </p:cxnSp>
       <p:cxnSp>
         <p:nvCxnSpPr>
-          <p:cNvPr id="76" name="Straight Connector 75">
-            <a:extLst>
-              <a:ext uri="{FF2B5EF4-FFF2-40B4-BE49-F238E27FC236}">
-                <a16:creationId xmlns:a16="http://schemas.microsoft.com/office/drawing/2014/main" id="{3C633B7D-89F1-96A9-EF39-99913E14CB9E}"/>
+          <p:cNvPr id="2" name="Straight Connector 1">
+            <a:extLst>
+              <a:ext uri="{FF2B5EF4-FFF2-40B4-BE49-F238E27FC236}">
+                <a16:creationId xmlns:a16="http://schemas.microsoft.com/office/drawing/2014/main" id="{00DDD90F-CCCE-A896-6A11-D31D128FB700}"/>
               </a:ext>
             </a:extLst>
           </p:cNvPr>
@@ -5124,8 +5007,125 @@
           <p:nvPr/>
         </p:nvCxnSpPr>
         <p:spPr>
+          <a:xfrm flipV="1">
+            <a:off x="3968747" y="311573"/>
+            <a:ext cx="95250" cy="508000"/>
+          </a:xfrm>
+          <a:prstGeom prst="line">
+            <a:avLst/>
+          </a:prstGeom>
+          <a:ln w="38100"/>
+        </p:spPr>
+        <p:style>
+          <a:lnRef idx="2">
+            <a:schemeClr val="accent1"/>
+          </a:lnRef>
+          <a:fillRef idx="0">
+            <a:schemeClr val="accent1"/>
+          </a:fillRef>
+          <a:effectRef idx="1">
+            <a:schemeClr val="accent1"/>
+          </a:effectRef>
+          <a:fontRef idx="minor">
+            <a:schemeClr val="tx1"/>
+          </a:fontRef>
+        </p:style>
+      </p:cxnSp>
+      <p:cxnSp>
+        <p:nvCxnSpPr>
+          <p:cNvPr id="17" name="Straight Connector 16">
+            <a:extLst>
+              <a:ext uri="{FF2B5EF4-FFF2-40B4-BE49-F238E27FC236}">
+                <a16:creationId xmlns:a16="http://schemas.microsoft.com/office/drawing/2014/main" id="{0A74EBD6-9F59-20BA-E42E-F02694CA965E}"/>
+              </a:ext>
+            </a:extLst>
+          </p:cNvPr>
+          <p:cNvCxnSpPr>
+            <a:cxnSpLocks/>
+          </p:cNvCxnSpPr>
+          <p:nvPr/>
+        </p:nvCxnSpPr>
+        <p:spPr>
+          <a:xfrm flipH="1">
+            <a:off x="4016372" y="514773"/>
+            <a:ext cx="58741" cy="0"/>
+          </a:xfrm>
+          <a:prstGeom prst="line">
+            <a:avLst/>
+          </a:prstGeom>
+          <a:ln w="38100"/>
+        </p:spPr>
+        <p:style>
+          <a:lnRef idx="2">
+            <a:schemeClr val="accent1"/>
+          </a:lnRef>
+          <a:fillRef idx="0">
+            <a:schemeClr val="accent1"/>
+          </a:fillRef>
+          <a:effectRef idx="1">
+            <a:schemeClr val="accent1"/>
+          </a:effectRef>
+          <a:fontRef idx="minor">
+            <a:schemeClr val="tx1"/>
+          </a:fontRef>
+        </p:style>
+      </p:cxnSp>
+      <p:cxnSp>
+        <p:nvCxnSpPr>
+          <p:cNvPr id="19" name="Straight Connector 18">
+            <a:extLst>
+              <a:ext uri="{FF2B5EF4-FFF2-40B4-BE49-F238E27FC236}">
+                <a16:creationId xmlns:a16="http://schemas.microsoft.com/office/drawing/2014/main" id="{BE4BF3DE-D7CA-1D5E-D684-AB160714E493}"/>
+              </a:ext>
+            </a:extLst>
+          </p:cNvPr>
+          <p:cNvCxnSpPr>
+            <a:cxnSpLocks/>
+          </p:cNvCxnSpPr>
+          <p:nvPr/>
+        </p:nvCxnSpPr>
+        <p:spPr>
+          <a:xfrm flipH="1">
+            <a:off x="3994152" y="667173"/>
+            <a:ext cx="69845" cy="0"/>
+          </a:xfrm>
+          <a:prstGeom prst="line">
+            <a:avLst/>
+          </a:prstGeom>
+          <a:ln w="38100"/>
+        </p:spPr>
+        <p:style>
+          <a:lnRef idx="2">
+            <a:schemeClr val="accent1"/>
+          </a:lnRef>
+          <a:fillRef idx="0">
+            <a:schemeClr val="accent1"/>
+          </a:fillRef>
+          <a:effectRef idx="1">
+            <a:schemeClr val="accent1"/>
+          </a:effectRef>
+          <a:fontRef idx="minor">
+            <a:schemeClr val="tx1"/>
+          </a:fontRef>
+        </p:style>
+      </p:cxnSp>
+      <p:cxnSp>
+        <p:nvCxnSpPr>
+          <p:cNvPr id="22" name="Straight Connector 21">
+            <a:extLst>
+              <a:ext uri="{FF2B5EF4-FFF2-40B4-BE49-F238E27FC236}">
+                <a16:creationId xmlns:a16="http://schemas.microsoft.com/office/drawing/2014/main" id="{B810B16F-79C8-7C64-C8DB-3AB404E48786}"/>
+              </a:ext>
+            </a:extLst>
+          </p:cNvPr>
+          <p:cNvCxnSpPr>
+            <a:cxnSpLocks/>
+          </p:cNvCxnSpPr>
+          <p:nvPr/>
+        </p:nvCxnSpPr>
+        <p:spPr>
           <a:xfrm flipH="1" flipV="1">
-            <a:off x="8762996" y="312420"/>
+            <a:off x="8127995" y="311573"/>
             <a:ext cx="95250" cy="508000"/>
           </a:xfrm>
           <a:prstGeom prst="line">
@@ -5156,10 +5156,10 @@
       </p:cxnSp>
       <p:cxnSp>
         <p:nvCxnSpPr>
-          <p:cNvPr id="77" name="Straight Connector 76">
-            <a:extLst>
-              <a:ext uri="{FF2B5EF4-FFF2-40B4-BE49-F238E27FC236}">
-                <a16:creationId xmlns:a16="http://schemas.microsoft.com/office/drawing/2014/main" id="{4F933799-1390-D01B-A270-5E33EBBC7F1F}"/>
+          <p:cNvPr id="23" name="Straight Connector 22">
+            <a:extLst>
+              <a:ext uri="{FF2B5EF4-FFF2-40B4-BE49-F238E27FC236}">
+                <a16:creationId xmlns:a16="http://schemas.microsoft.com/office/drawing/2014/main" id="{2C5D57DD-D5DF-9446-7F29-65353520F980}"/>
               </a:ext>
             </a:extLst>
           </p:cNvPr>
@@ -5170,8 +5170,8 @@
         </p:nvCxnSpPr>
         <p:spPr>
           <a:xfrm flipH="1">
-            <a:off x="8755052" y="516360"/>
-            <a:ext cx="54000" cy="3600"/>
+            <a:off x="8115300" y="514773"/>
+            <a:ext cx="60320" cy="0"/>
           </a:xfrm>
           <a:prstGeom prst="line">
             <a:avLst/>
@@ -5201,10 +5201,10 @@
       </p:cxnSp>
       <p:cxnSp>
         <p:nvCxnSpPr>
-          <p:cNvPr id="78" name="Straight Connector 77">
-            <a:extLst>
-              <a:ext uri="{FF2B5EF4-FFF2-40B4-BE49-F238E27FC236}">
-                <a16:creationId xmlns:a16="http://schemas.microsoft.com/office/drawing/2014/main" id="{433078DA-74D9-EB37-7087-68A5C2A76749}"/>
+          <p:cNvPr id="24" name="Straight Connector 23">
+            <a:extLst>
+              <a:ext uri="{FF2B5EF4-FFF2-40B4-BE49-F238E27FC236}">
+                <a16:creationId xmlns:a16="http://schemas.microsoft.com/office/drawing/2014/main" id="{579B723B-0922-21E8-7319-4EE0F34A7271}"/>
               </a:ext>
             </a:extLst>
           </p:cNvPr>
@@ -5215,8 +5215,196 @@
         </p:nvCxnSpPr>
         <p:spPr>
           <a:xfrm flipH="1">
-            <a:off x="8753111" y="667967"/>
-            <a:ext cx="64800" cy="2540"/>
+            <a:off x="8127995" y="667173"/>
+            <a:ext cx="61918" cy="0"/>
+          </a:xfrm>
+          <a:prstGeom prst="line">
+            <a:avLst/>
+          </a:prstGeom>
+          <a:ln w="38100">
+            <a:solidFill>
+              <a:schemeClr val="accent2">
+                <a:lumMod val="75000"/>
+              </a:schemeClr>
+            </a:solidFill>
+          </a:ln>
+        </p:spPr>
+        <p:style>
+          <a:lnRef idx="2">
+            <a:schemeClr val="accent1"/>
+          </a:lnRef>
+          <a:fillRef idx="0">
+            <a:schemeClr val="accent1"/>
+          </a:fillRef>
+          <a:effectRef idx="1">
+            <a:schemeClr val="accent1"/>
+          </a:effectRef>
+          <a:fontRef idx="minor">
+            <a:schemeClr val="tx1"/>
+          </a:fontRef>
+        </p:style>
+      </p:cxnSp>
+      <p:sp>
+        <p:nvSpPr>
+          <p:cNvPr id="25" name="Rectangle 24">
+            <a:extLst>
+              <a:ext uri="{FF2B5EF4-FFF2-40B4-BE49-F238E27FC236}">
+                <a16:creationId xmlns:a16="http://schemas.microsoft.com/office/drawing/2014/main" id="{050FE941-F752-F355-C512-2BCF0A0F80BF}"/>
+              </a:ext>
+            </a:extLst>
+          </p:cNvPr>
+          <p:cNvSpPr/>
+          <p:nvPr/>
+        </p:nvSpPr>
+        <p:spPr>
+          <a:xfrm>
+            <a:off x="11895" y="1079500"/>
+            <a:ext cx="623104" cy="1684867"/>
+          </a:xfrm>
+          <a:prstGeom prst="rect">
+            <a:avLst/>
+          </a:prstGeom>
+          <a:solidFill>
+            <a:schemeClr val="bg1"/>
+          </a:solidFill>
+          <a:ln>
+            <a:noFill/>
+          </a:ln>
+        </p:spPr>
+        <p:style>
+          <a:lnRef idx="2">
+            <a:schemeClr val="accent1">
+              <a:shade val="15000"/>
+            </a:schemeClr>
+          </a:lnRef>
+          <a:fillRef idx="1">
+            <a:schemeClr val="accent1"/>
+          </a:fillRef>
+          <a:effectRef idx="0">
+            <a:schemeClr val="accent1"/>
+          </a:effectRef>
+          <a:fontRef idx="minor">
+            <a:schemeClr val="lt1"/>
+          </a:fontRef>
+        </p:style>
+        <p:txBody>
+          <a:bodyPr rtlCol="0" anchor="ctr"/>
+          <a:lstStyle/>
+          <a:p>
+            <a:pPr algn="ctr"/>
+            <a:endParaRPr kumimoji="1" lang="ja-JP" altLang="en-US"/>
+          </a:p>
+        </p:txBody>
+      </p:sp>
+      <p:sp>
+        <p:nvSpPr>
+          <p:cNvPr id="26" name="Rectangle 25">
+            <a:extLst>
+              <a:ext uri="{FF2B5EF4-FFF2-40B4-BE49-F238E27FC236}">
+                <a16:creationId xmlns:a16="http://schemas.microsoft.com/office/drawing/2014/main" id="{1EFB3F72-17CC-E180-578A-58B5643E5994}"/>
+              </a:ext>
+            </a:extLst>
+          </p:cNvPr>
+          <p:cNvSpPr/>
+          <p:nvPr/>
+        </p:nvSpPr>
+        <p:spPr>
+          <a:xfrm>
+            <a:off x="11557670" y="1030085"/>
+            <a:ext cx="623104" cy="1684867"/>
+          </a:xfrm>
+          <a:prstGeom prst="rect">
+            <a:avLst/>
+          </a:prstGeom>
+          <a:solidFill>
+            <a:schemeClr val="bg1"/>
+          </a:solidFill>
+          <a:ln>
+            <a:noFill/>
+          </a:ln>
+        </p:spPr>
+        <p:style>
+          <a:lnRef idx="2">
+            <a:schemeClr val="accent1">
+              <a:shade val="15000"/>
+            </a:schemeClr>
+          </a:lnRef>
+          <a:fillRef idx="1">
+            <a:schemeClr val="accent1"/>
+          </a:fillRef>
+          <a:effectRef idx="0">
+            <a:schemeClr val="accent1"/>
+          </a:effectRef>
+          <a:fontRef idx="minor">
+            <a:schemeClr val="lt1"/>
+          </a:fontRef>
+        </p:style>
+        <p:txBody>
+          <a:bodyPr rtlCol="0" anchor="ctr"/>
+          <a:lstStyle/>
+          <a:p>
+            <a:pPr algn="ctr"/>
+            <a:endParaRPr kumimoji="1" lang="ja-JP" altLang="en-US"/>
+          </a:p>
+        </p:txBody>
+      </p:sp>
+      <p:cxnSp>
+        <p:nvCxnSpPr>
+          <p:cNvPr id="28" name="Straight Connector 27">
+            <a:extLst>
+              <a:ext uri="{FF2B5EF4-FFF2-40B4-BE49-F238E27FC236}">
+                <a16:creationId xmlns:a16="http://schemas.microsoft.com/office/drawing/2014/main" id="{F7AB55F4-B702-ABEB-3495-4F8B094BC900}"/>
+              </a:ext>
+            </a:extLst>
+          </p:cNvPr>
+          <p:cNvCxnSpPr>
+            <a:cxnSpLocks/>
+          </p:cNvCxnSpPr>
+          <p:nvPr/>
+        </p:nvCxnSpPr>
+        <p:spPr>
+          <a:xfrm flipV="1">
+            <a:off x="535786" y="311573"/>
+            <a:ext cx="95250" cy="508000"/>
+          </a:xfrm>
+          <a:prstGeom prst="line">
+            <a:avLst/>
+          </a:prstGeom>
+          <a:ln w="38100"/>
+        </p:spPr>
+        <p:style>
+          <a:lnRef idx="2">
+            <a:schemeClr val="accent1"/>
+          </a:lnRef>
+          <a:fillRef idx="0">
+            <a:schemeClr val="accent1"/>
+          </a:fillRef>
+          <a:effectRef idx="1">
+            <a:schemeClr val="accent1"/>
+          </a:effectRef>
+          <a:fontRef idx="minor">
+            <a:schemeClr val="tx1"/>
+          </a:fontRef>
+        </p:style>
+      </p:cxnSp>
+      <p:cxnSp>
+        <p:nvCxnSpPr>
+          <p:cNvPr id="29" name="Straight Connector 28">
+            <a:extLst>
+              <a:ext uri="{FF2B5EF4-FFF2-40B4-BE49-F238E27FC236}">
+                <a16:creationId xmlns:a16="http://schemas.microsoft.com/office/drawing/2014/main" id="{F1261607-C5E4-5D21-41A5-317955601D89}"/>
+              </a:ext>
+            </a:extLst>
+          </p:cNvPr>
+          <p:cNvCxnSpPr>
+            <a:cxnSpLocks/>
+          </p:cNvCxnSpPr>
+          <p:nvPr/>
+        </p:nvCxnSpPr>
+        <p:spPr>
+          <a:xfrm flipH="1" flipV="1">
+            <a:off x="11556990" y="318346"/>
+            <a:ext cx="95250" cy="508000"/>
           </a:xfrm>
           <a:prstGeom prst="line">
             <a:avLst/>
